--- a/NoSQL_BigData_analitika.pptx
+++ b/NoSQL_BigData_analitika.pptx
@@ -117,6 +117,11 @@
       </a:defRPr>
     </a:lvl9pPr>
   </p:defaultTextStyle>
+  <p:extLst>
+    <p:ext uri="{EFAFB233-063F-42B5-8137-9DF3F51BA10A}">
+      <p15:sldGuideLst xmlns:p15="http://schemas.microsoft.com/office/powerpoint/2012/main"/>
+    </p:ext>
+  </p:extLst>
 </p:presentation>
 </file>
 
@@ -267,7 +272,7 @@
           <a:p>
             <a:fld id="{26E26772-0AB5-4657-AC65-7119C1944BE1}" type="datetimeFigureOut">
               <a:rPr lang="hr-HR" smtClean="0"/>
-              <a:t>26.5.2021.</a:t>
+              <a:t>28.5.2021.</a:t>
             </a:fld>
             <a:endParaRPr lang="hr-HR"/>
           </a:p>
@@ -465,7 +470,7 @@
           <a:p>
             <a:fld id="{26E26772-0AB5-4657-AC65-7119C1944BE1}" type="datetimeFigureOut">
               <a:rPr lang="hr-HR" smtClean="0"/>
-              <a:t>26.5.2021.</a:t>
+              <a:t>28.5.2021.</a:t>
             </a:fld>
             <a:endParaRPr lang="hr-HR"/>
           </a:p>
@@ -673,7 +678,7 @@
           <a:p>
             <a:fld id="{26E26772-0AB5-4657-AC65-7119C1944BE1}" type="datetimeFigureOut">
               <a:rPr lang="hr-HR" smtClean="0"/>
-              <a:t>26.5.2021.</a:t>
+              <a:t>28.5.2021.</a:t>
             </a:fld>
             <a:endParaRPr lang="hr-HR"/>
           </a:p>
@@ -871,7 +876,7 @@
           <a:p>
             <a:fld id="{26E26772-0AB5-4657-AC65-7119C1944BE1}" type="datetimeFigureOut">
               <a:rPr lang="hr-HR" smtClean="0"/>
-              <a:t>26.5.2021.</a:t>
+              <a:t>28.5.2021.</a:t>
             </a:fld>
             <a:endParaRPr lang="hr-HR"/>
           </a:p>
@@ -1146,7 +1151,7 @@
           <a:p>
             <a:fld id="{26E26772-0AB5-4657-AC65-7119C1944BE1}" type="datetimeFigureOut">
               <a:rPr lang="hr-HR" smtClean="0"/>
-              <a:t>26.5.2021.</a:t>
+              <a:t>28.5.2021.</a:t>
             </a:fld>
             <a:endParaRPr lang="hr-HR"/>
           </a:p>
@@ -1411,7 +1416,7 @@
           <a:p>
             <a:fld id="{26E26772-0AB5-4657-AC65-7119C1944BE1}" type="datetimeFigureOut">
               <a:rPr lang="hr-HR" smtClean="0"/>
-              <a:t>26.5.2021.</a:t>
+              <a:t>28.5.2021.</a:t>
             </a:fld>
             <a:endParaRPr lang="hr-HR"/>
           </a:p>
@@ -1823,7 +1828,7 @@
           <a:p>
             <a:fld id="{26E26772-0AB5-4657-AC65-7119C1944BE1}" type="datetimeFigureOut">
               <a:rPr lang="hr-HR" smtClean="0"/>
-              <a:t>26.5.2021.</a:t>
+              <a:t>28.5.2021.</a:t>
             </a:fld>
             <a:endParaRPr lang="hr-HR"/>
           </a:p>
@@ -1964,7 +1969,7 @@
           <a:p>
             <a:fld id="{26E26772-0AB5-4657-AC65-7119C1944BE1}" type="datetimeFigureOut">
               <a:rPr lang="hr-HR" smtClean="0"/>
-              <a:t>26.5.2021.</a:t>
+              <a:t>28.5.2021.</a:t>
             </a:fld>
             <a:endParaRPr lang="hr-HR"/>
           </a:p>
@@ -2077,7 +2082,7 @@
           <a:p>
             <a:fld id="{26E26772-0AB5-4657-AC65-7119C1944BE1}" type="datetimeFigureOut">
               <a:rPr lang="hr-HR" smtClean="0"/>
-              <a:t>26.5.2021.</a:t>
+              <a:t>28.5.2021.</a:t>
             </a:fld>
             <a:endParaRPr lang="hr-HR"/>
           </a:p>
@@ -2388,7 +2393,7 @@
           <a:p>
             <a:fld id="{26E26772-0AB5-4657-AC65-7119C1944BE1}" type="datetimeFigureOut">
               <a:rPr lang="hr-HR" smtClean="0"/>
-              <a:t>26.5.2021.</a:t>
+              <a:t>28.5.2021.</a:t>
             </a:fld>
             <a:endParaRPr lang="hr-HR"/>
           </a:p>
@@ -2676,7 +2681,7 @@
           <a:p>
             <a:fld id="{26E26772-0AB5-4657-AC65-7119C1944BE1}" type="datetimeFigureOut">
               <a:rPr lang="hr-HR" smtClean="0"/>
-              <a:t>26.5.2021.</a:t>
+              <a:t>28.5.2021.</a:t>
             </a:fld>
             <a:endParaRPr lang="hr-HR"/>
           </a:p>
@@ -2917,7 +2922,7 @@
           <a:p>
             <a:fld id="{26E26772-0AB5-4657-AC65-7119C1944BE1}" type="datetimeFigureOut">
               <a:rPr lang="hr-HR" smtClean="0"/>
-              <a:t>26.5.2021.</a:t>
+              <a:t>28.5.2021.</a:t>
             </a:fld>
             <a:endParaRPr lang="hr-HR"/>
           </a:p>
@@ -3607,7 +3612,9 @@
         </p:nvSpPr>
         <p:spPr/>
         <p:txBody>
-          <a:bodyPr/>
+          <a:bodyPr>
+            <a:normAutofit lnSpcReduction="10000"/>
+          </a:bodyPr>
           <a:lstStyle/>
           <a:p>
             <a:r>
@@ -3615,7 +3622,22 @@
                 <a:latin typeface="Arial" panose="020B0604020202020204" pitchFamily="34" charset="0"/>
                 <a:cs typeface="Arial" panose="020B0604020202020204" pitchFamily="34" charset="0"/>
               </a:rPr>
-              <a:t>Mjera koliko je različitih riječi korišteno u tekstu</a:t>
+              <a:t>Mjera leksičke bogatosti</a:t>
+            </a:r>
+          </a:p>
+          <a:p>
+            <a:endParaRPr lang="hr-HR" dirty="0">
+              <a:latin typeface="Arial" panose="020B0604020202020204" pitchFamily="34" charset="0"/>
+              <a:cs typeface="Arial" panose="020B0604020202020204" pitchFamily="34" charset="0"/>
+            </a:endParaRPr>
+          </a:p>
+          <a:p>
+            <a:r>
+              <a:rPr lang="hr-HR" dirty="0">
+                <a:latin typeface="Arial" panose="020B0604020202020204" pitchFamily="34" charset="0"/>
+                <a:cs typeface="Arial" panose="020B0604020202020204" pitchFamily="34" charset="0"/>
+              </a:rPr>
+              <a:t>Označava koliko je jedinstvenih riječi korišteno</a:t>
             </a:r>
           </a:p>
           <a:p>
@@ -3636,7 +3658,7 @@
                 <a:latin typeface="Arial" panose="020B0604020202020204" pitchFamily="34" charset="0"/>
                 <a:cs typeface="Arial" panose="020B0604020202020204" pitchFamily="34" charset="0"/>
               </a:rPr>
-              <a:t>Diversifikacija članaka napisanih sa različitih političkih stajališta gotovo jednak</a:t>
+              <a:t>Diversifikacija članaka napisanih sa različitih političkih stajališta je gotovo jednaka</a:t>
             </a:r>
           </a:p>
         </p:txBody>
@@ -3756,21 +3778,7 @@
                 <a:latin typeface="Arial" panose="020B0604020202020204" pitchFamily="34" charset="0"/>
                 <a:cs typeface="Arial" panose="020B0604020202020204" pitchFamily="34" charset="0"/>
               </a:rPr>
-              <a:t>Korpus </a:t>
-            </a:r>
-            <a:r>
-              <a:rPr lang="hr-HR" dirty="0" err="1">
-                <a:latin typeface="Arial" panose="020B0604020202020204" pitchFamily="34" charset="0"/>
-                <a:cs typeface="Arial" panose="020B0604020202020204" pitchFamily="34" charset="0"/>
-              </a:rPr>
-              <a:t>Teksa</a:t>
-            </a:r>
-            <a:r>
-              <a:rPr lang="hr-HR" dirty="0">
-                <a:latin typeface="Arial" panose="020B0604020202020204" pitchFamily="34" charset="0"/>
-                <a:cs typeface="Arial" panose="020B0604020202020204" pitchFamily="34" charset="0"/>
-              </a:rPr>
-              <a:t> - Brown</a:t>
+              <a:t>Korpus Teksta - Brown</a:t>
             </a:r>
           </a:p>
         </p:txBody>
@@ -4172,7 +4180,7 @@
         <p:spPr/>
         <p:txBody>
           <a:bodyPr>
-            <a:normAutofit fontScale="92500" lnSpcReduction="10000"/>
+            <a:normAutofit fontScale="92500" lnSpcReduction="20000"/>
           </a:bodyPr>
           <a:lstStyle/>
           <a:p>
@@ -4181,7 +4189,7 @@
                 <a:latin typeface="Arial" panose="020B0604020202020204" pitchFamily="34" charset="0"/>
                 <a:cs typeface="Arial" panose="020B0604020202020204" pitchFamily="34" charset="0"/>
               </a:rPr>
-              <a:t>Kako bi dobili preciznije rezultate potrebna je puno veća količina izvornog teksta kroz duži period, međutim na ovom manjem uzorku nisu primijećena veća odstupanja u količini napisanog teksta, korištenju „Stop” riječi i lingvističkoj diversifikaciji</a:t>
+              <a:t>Kako bi dobili preciznije rezultate potrebna je puno veća količina izvornog teksta kroz duži period, međutim na ovom manjem uzorku nisu primijećena veća odstupanja u količini napisanog teksta, korištenju „Stop” riječi i leksičkoj diversifikaciji</a:t>
             </a:r>
           </a:p>
           <a:p>
@@ -4239,7 +4247,7 @@
                 <a:latin typeface="Arial" panose="020B0604020202020204" pitchFamily="34" charset="0"/>
                 <a:cs typeface="Arial" panose="020B0604020202020204" pitchFamily="34" charset="0"/>
               </a:rPr>
-              <a:t>Osim toga u člancima desnog stajališta su riječi puno češće ponavljane što se može iščitati iz grafa frekvencija riječi</a:t>
+              <a:t>Osim toga u člancima desnog stajališta su riječi puno češće ponavljane što se može iščitati iz grafa frekvencija riječi, ali istovremeno su imali malo veću leksičku diversifikaciju</a:t>
             </a:r>
           </a:p>
           <a:p>
@@ -4328,7 +4336,7 @@
           <a:p>
             <a:r>
               <a:rPr lang="hr-HR" dirty="0"/>
-              <a:t>Uzeti podaci su kolekcija vijesti i članaka vezanih uz COVID-19 koji su pisani sa različitih političkih stajališta(ljevica i desnica)</a:t>
+              <a:t>Uzeti podaci su kolekcija najnovijih vijesti i članaka vezanih uz COVID-19 koji su pisani sa različitih političkih stajališta(ljevica i desnica)</a:t>
             </a:r>
           </a:p>
           <a:p>
@@ -4347,7 +4355,7 @@
             </a:r>
             <a:r>
               <a:rPr lang="hr-HR" dirty="0"/>
-              <a:t> koji okuplja razne aktualne teme i klasificira ih prema političkom stajalištu portala</a:t>
+              <a:t> koji okuplja razne aktualne teme i klasificira ih prema političkom stajalištu izvornog portala</a:t>
             </a:r>
           </a:p>
           <a:p>
@@ -4705,7 +4713,7 @@
                 <a:latin typeface="Arial" panose="020B0604020202020204" pitchFamily="34" charset="0"/>
                 <a:cs typeface="Arial" panose="020B0604020202020204" pitchFamily="34" charset="0"/>
               </a:rPr>
-              <a:t>”, „I”…) odrađena je filtracija takozvanih „Stop </a:t>
+              <a:t>”, „I”…) odrađena je filtracija „Stop </a:t>
             </a:r>
             <a:r>
               <a:rPr lang="hr-HR" dirty="0" err="1">
@@ -4957,11 +4965,7 @@
                 <a:latin typeface="Arial" panose="020B0604020202020204" pitchFamily="34" charset="0"/>
                 <a:cs typeface="Arial" panose="020B0604020202020204" pitchFamily="34" charset="0"/>
               </a:rPr>
-              <a:t>Proces</a:t>
-            </a:r>
-            <a:r>
-              <a:rPr lang="hr-HR" dirty="0"/>
-              <a:t> reduciranja riječi na njihov korijen</a:t>
+              <a:t>Proces reduciranja riječi na njihov korijen</a:t>
             </a:r>
           </a:p>
           <a:p>
@@ -4969,7 +4973,10 @@
           </a:p>
           <a:p>
             <a:r>
-              <a:rPr lang="hr-HR" dirty="0"/>
+              <a:rPr lang="hr-HR" dirty="0">
+                <a:latin typeface="Arial" panose="020B0604020202020204" pitchFamily="34" charset="0"/>
+                <a:cs typeface="Arial" panose="020B0604020202020204" pitchFamily="34" charset="0"/>
+              </a:rPr>
               <a:t>Zasniva se na procesu rezanja krajeva riječi kako bi se postigao željeni rezultat</a:t>
             </a:r>
           </a:p>
@@ -5159,7 +5166,7 @@
                 <a:latin typeface="Arial" panose="020B0604020202020204" pitchFamily="34" charset="0"/>
                 <a:cs typeface="Arial" panose="020B0604020202020204" pitchFamily="34" charset="0"/>
               </a:rPr>
-              <a:t> koristi analizu riječi kako bi vratila ispravan korijen riječi  </a:t>
+              <a:t> koristi analizu riječi kako bi vratila ispravan korijen  </a:t>
             </a:r>
           </a:p>
           <a:p>
@@ -5450,7 +5457,7 @@
                 <a:latin typeface="Arial" panose="020B0604020202020204" pitchFamily="34" charset="0"/>
                 <a:cs typeface="Arial" panose="020B0604020202020204" pitchFamily="34" charset="0"/>
               </a:rPr>
-              <a:t>Prikaz konteksta u kojem je riječ korištenja</a:t>
+              <a:t>Prikaz konteksta u kojem je riječ korištena</a:t>
             </a:r>
           </a:p>
           <a:p>
